--- a/week1_2/week1_2.pptx
+++ b/week1_2/week1_2.pptx
@@ -132,6 +132,11 @@
       </a:defRPr>
     </a:lvl9pPr>
   </p:defaultTextStyle>
+  <p:extLst>
+    <p:ext uri="{EFAFB233-063F-42B5-8137-9DF3F51BA10A}">
+      <p15:sldGuideLst xmlns:p15="http://schemas.microsoft.com/office/powerpoint/2012/main"/>
+    </p:ext>
+  </p:extLst>
 </p:presentation>
 </file>
 
@@ -217,7 +222,7 @@
           <a:p>
             <a:fld id="{5A3B034F-101F-2D4D-957D-91574266BF90}" type="datetimeFigureOut">
               <a:rPr lang="en-KR" smtClean="0"/>
-              <a:t>2022/01/14</a:t>
+              <a:t>2022/01/15</a:t>
             </a:fld>
             <a:endParaRPr lang="en-KR"/>
           </a:p>
@@ -550,6 +555,90 @@
           <a:p>
             <a:fld id="{7EFAFC4D-C9BA-CF44-A2E9-73CE6590231C}" type="slidenum">
               <a:rPr lang="en-KR" smtClean="0"/>
+              <a:t>3</a:t>
+            </a:fld>
+            <a:endParaRPr lang="en-KR"/>
+          </a:p>
+        </p:txBody>
+      </p:sp>
+    </p:spTree>
+    <p:extLst>
+      <p:ext uri="{BB962C8B-B14F-4D97-AF65-F5344CB8AC3E}">
+        <p14:creationId xmlns:p14="http://schemas.microsoft.com/office/powerpoint/2010/main" val="1738055884"/>
+      </p:ext>
+    </p:extLst>
+  </p:cSld>
+  <p:clrMapOvr>
+    <a:masterClrMapping/>
+  </p:clrMapOvr>
+</p:notes>
+</file>
+
+<file path=ppt/notesSlides/notesSlide2.xml><?xml version="1.0" encoding="utf-8"?>
+<p:notes xmlns:a="http://schemas.openxmlformats.org/drawingml/2006/main" xmlns:r="http://schemas.openxmlformats.org/officeDocument/2006/relationships" xmlns:p="http://schemas.openxmlformats.org/presentationml/2006/main">
+  <p:cSld>
+    <p:spTree>
+      <p:nvGrpSpPr>
+        <p:cNvPr id="1" name=""/>
+        <p:cNvGrpSpPr/>
+        <p:nvPr/>
+      </p:nvGrpSpPr>
+      <p:grpSpPr>
+        <a:xfrm>
+          <a:off x="0" y="0"/>
+          <a:ext cx="0" cy="0"/>
+          <a:chOff x="0" y="0"/>
+          <a:chExt cx="0" cy="0"/>
+        </a:xfrm>
+      </p:grpSpPr>
+      <p:sp>
+        <p:nvSpPr>
+          <p:cNvPr id="2" name="Slide Image Placeholder 1"/>
+          <p:cNvSpPr>
+            <a:spLocks noGrp="1" noRot="1" noChangeAspect="1"/>
+          </p:cNvSpPr>
+          <p:nvPr>
+            <p:ph type="sldImg"/>
+          </p:nvPr>
+        </p:nvSpPr>
+        <p:spPr/>
+      </p:sp>
+      <p:sp>
+        <p:nvSpPr>
+          <p:cNvPr id="3" name="Notes Placeholder 2"/>
+          <p:cNvSpPr>
+            <a:spLocks noGrp="1"/>
+          </p:cNvSpPr>
+          <p:nvPr>
+            <p:ph type="body" idx="1"/>
+          </p:nvPr>
+        </p:nvSpPr>
+        <p:spPr/>
+        <p:txBody>
+          <a:bodyPr/>
+          <a:lstStyle/>
+          <a:p>
+            <a:endParaRPr lang="en-KR" dirty="0"/>
+          </a:p>
+        </p:txBody>
+      </p:sp>
+      <p:sp>
+        <p:nvSpPr>
+          <p:cNvPr id="4" name="Slide Number Placeholder 3"/>
+          <p:cNvSpPr>
+            <a:spLocks noGrp="1"/>
+          </p:cNvSpPr>
+          <p:nvPr>
+            <p:ph type="sldNum" sz="quarter" idx="5"/>
+          </p:nvPr>
+        </p:nvSpPr>
+        <p:spPr/>
+        <p:txBody>
+          <a:bodyPr/>
+          <a:lstStyle/>
+          <a:p>
+            <a:fld id="{7EFAFC4D-C9BA-CF44-A2E9-73CE6590231C}" type="slidenum">
+              <a:rPr lang="en-KR" smtClean="0"/>
               <a:t>25</a:t>
             </a:fld>
             <a:endParaRPr lang="en-KR"/>
@@ -569,7 +658,7 @@
 </p:notes>
 </file>
 
-<file path=ppt/notesSlides/notesSlide2.xml><?xml version="1.0" encoding="utf-8"?>
+<file path=ppt/notesSlides/notesSlide3.xml><?xml version="1.0" encoding="utf-8"?>
 <p:notes xmlns:a="http://schemas.openxmlformats.org/drawingml/2006/main" xmlns:r="http://schemas.openxmlformats.org/officeDocument/2006/relationships" xmlns:p="http://schemas.openxmlformats.org/presentationml/2006/main">
   <p:cSld>
     <p:spTree>
@@ -802,7 +891,7 @@
           <a:p>
             <a:fld id="{AF339509-E9EC-0143-A091-5F2B3EED411C}" type="datetimeFigureOut">
               <a:rPr lang="en-KR" smtClean="0"/>
-              <a:t>2022/01/14</a:t>
+              <a:t>2022/01/15</a:t>
             </a:fld>
             <a:endParaRPr lang="en-KR"/>
           </a:p>
@@ -1002,7 +1091,7 @@
           <a:p>
             <a:fld id="{AF339509-E9EC-0143-A091-5F2B3EED411C}" type="datetimeFigureOut">
               <a:rPr lang="en-KR" smtClean="0"/>
-              <a:t>2022/01/14</a:t>
+              <a:t>2022/01/15</a:t>
             </a:fld>
             <a:endParaRPr lang="en-KR"/>
           </a:p>
@@ -1212,7 +1301,7 @@
           <a:p>
             <a:fld id="{AF339509-E9EC-0143-A091-5F2B3EED411C}" type="datetimeFigureOut">
               <a:rPr lang="en-KR" smtClean="0"/>
-              <a:t>2022/01/14</a:t>
+              <a:t>2022/01/15</a:t>
             </a:fld>
             <a:endParaRPr lang="en-KR"/>
           </a:p>
@@ -1412,7 +1501,7 @@
           <a:p>
             <a:fld id="{AF339509-E9EC-0143-A091-5F2B3EED411C}" type="datetimeFigureOut">
               <a:rPr lang="en-KR" smtClean="0"/>
-              <a:t>2022/01/14</a:t>
+              <a:t>2022/01/15</a:t>
             </a:fld>
             <a:endParaRPr lang="en-KR"/>
           </a:p>
@@ -1688,7 +1777,7 @@
           <a:p>
             <a:fld id="{AF339509-E9EC-0143-A091-5F2B3EED411C}" type="datetimeFigureOut">
               <a:rPr lang="en-KR" smtClean="0"/>
-              <a:t>2022/01/14</a:t>
+              <a:t>2022/01/15</a:t>
             </a:fld>
             <a:endParaRPr lang="en-KR"/>
           </a:p>
@@ -1956,7 +2045,7 @@
           <a:p>
             <a:fld id="{AF339509-E9EC-0143-A091-5F2B3EED411C}" type="datetimeFigureOut">
               <a:rPr lang="en-KR" smtClean="0"/>
-              <a:t>2022/01/14</a:t>
+              <a:t>2022/01/15</a:t>
             </a:fld>
             <a:endParaRPr lang="en-KR"/>
           </a:p>
@@ -2371,7 +2460,7 @@
           <a:p>
             <a:fld id="{AF339509-E9EC-0143-A091-5F2B3EED411C}" type="datetimeFigureOut">
               <a:rPr lang="en-KR" smtClean="0"/>
-              <a:t>2022/01/14</a:t>
+              <a:t>2022/01/15</a:t>
             </a:fld>
             <a:endParaRPr lang="en-KR"/>
           </a:p>
@@ -2513,7 +2602,7 @@
           <a:p>
             <a:fld id="{AF339509-E9EC-0143-A091-5F2B3EED411C}" type="datetimeFigureOut">
               <a:rPr lang="en-KR" smtClean="0"/>
-              <a:t>2022/01/14</a:t>
+              <a:t>2022/01/15</a:t>
             </a:fld>
             <a:endParaRPr lang="en-KR"/>
           </a:p>
@@ -2626,7 +2715,7 @@
           <a:p>
             <a:fld id="{AF339509-E9EC-0143-A091-5F2B3EED411C}" type="datetimeFigureOut">
               <a:rPr lang="en-KR" smtClean="0"/>
-              <a:t>2022/01/14</a:t>
+              <a:t>2022/01/15</a:t>
             </a:fld>
             <a:endParaRPr lang="en-KR"/>
           </a:p>
@@ -2939,7 +3028,7 @@
           <a:p>
             <a:fld id="{AF339509-E9EC-0143-A091-5F2B3EED411C}" type="datetimeFigureOut">
               <a:rPr lang="en-KR" smtClean="0"/>
-              <a:t>2022/01/14</a:t>
+              <a:t>2022/01/15</a:t>
             </a:fld>
             <a:endParaRPr lang="en-KR"/>
           </a:p>
@@ -3228,7 +3317,7 @@
           <a:p>
             <a:fld id="{AF339509-E9EC-0143-A091-5F2B3EED411C}" type="datetimeFigureOut">
               <a:rPr lang="en-KR" smtClean="0"/>
-              <a:t>2022/01/14</a:t>
+              <a:t>2022/01/15</a:t>
             </a:fld>
             <a:endParaRPr lang="en-KR"/>
           </a:p>
@@ -3471,7 +3560,7 @@
           <a:p>
             <a:fld id="{AF339509-E9EC-0143-A091-5F2B3EED411C}" type="datetimeFigureOut">
               <a:rPr lang="en-KR" smtClean="0"/>
-              <a:t>2022/01/14</a:t>
+              <a:t>2022/01/15</a:t>
             </a:fld>
             <a:endParaRPr lang="en-KR"/>
           </a:p>
@@ -4991,22 +5080,90 @@
           </p:cNvPicPr>
           <p:nvPr/>
         </p:nvPicPr>
-        <p:blipFill>
+        <p:blipFill rotWithShape="1">
           <a:blip r:embed="rId2"/>
-          <a:stretch>
-            <a:fillRect/>
-          </a:stretch>
+          <a:srcRect b="73916"/>
+          <a:stretch/>
         </p:blipFill>
         <p:spPr>
           <a:xfrm>
-            <a:off x="0" y="1776035"/>
-            <a:ext cx="12192000" cy="5081965"/>
+            <a:off x="296562" y="2103437"/>
+            <a:ext cx="12192000" cy="1325563"/>
           </a:xfrm>
           <a:prstGeom prst="rect">
             <a:avLst/>
           </a:prstGeom>
         </p:spPr>
       </p:pic>
+      <p:pic>
+        <p:nvPicPr>
+          <p:cNvPr id="5" name="Picture 4">
+            <a:extLst>
+              <a:ext uri="{FF2B5EF4-FFF2-40B4-BE49-F238E27FC236}">
+                <a16:creationId xmlns:a16="http://schemas.microsoft.com/office/drawing/2014/main" id="{0D4CD26E-344C-E54A-B265-8B26B5D7F7FA}"/>
+              </a:ext>
+            </a:extLst>
+          </p:cNvPr>
+          <p:cNvPicPr>
+            <a:picLocks noChangeAspect="1"/>
+          </p:cNvPicPr>
+          <p:nvPr/>
+        </p:nvPicPr>
+        <p:blipFill rotWithShape="1">
+          <a:blip r:embed="rId2"/>
+          <a:srcRect t="82908"/>
+          <a:stretch/>
+        </p:blipFill>
+        <p:spPr>
+          <a:xfrm>
+            <a:off x="296562" y="4087485"/>
+            <a:ext cx="12192000" cy="868592"/>
+          </a:xfrm>
+          <a:prstGeom prst="rect">
+            <a:avLst/>
+          </a:prstGeom>
+        </p:spPr>
+      </p:pic>
+      <p:sp>
+        <p:nvSpPr>
+          <p:cNvPr id="3" name="TextBox 2">
+            <a:extLst>
+              <a:ext uri="{FF2B5EF4-FFF2-40B4-BE49-F238E27FC236}">
+                <a16:creationId xmlns:a16="http://schemas.microsoft.com/office/drawing/2014/main" id="{D413FCF5-8A51-CA4B-BDDF-A22BA051C982}"/>
+              </a:ext>
+            </a:extLst>
+          </p:cNvPr>
+          <p:cNvSpPr txBox="1"/>
+          <p:nvPr/>
+        </p:nvSpPr>
+        <p:spPr>
+          <a:xfrm>
+            <a:off x="818978" y="3650749"/>
+            <a:ext cx="2362698" cy="338554"/>
+          </a:xfrm>
+          <a:prstGeom prst="rect">
+            <a:avLst/>
+          </a:prstGeom>
+          <a:noFill/>
+        </p:spPr>
+        <p:txBody>
+          <a:bodyPr wrap="none" rtlCol="0">
+            <a:spAutoFit/>
+          </a:bodyPr>
+          <a:lstStyle/>
+          <a:p>
+            <a:pPr marL="285750" indent="-285750">
+              <a:buFont typeface="Courier New" panose="02070309020205020404" pitchFamily="49" charset="0"/>
+              <a:buChar char="o"/>
+            </a:pPr>
+            <a:r>
+              <a:rPr lang="en-US" sz="1600" dirty="0"/>
+              <a:t>Finding matrix product</a:t>
+            </a:r>
+            <a:endParaRPr lang="en-KR" sz="1600" dirty="0"/>
+          </a:p>
+        </p:txBody>
+      </p:sp>
     </p:spTree>
     <p:extLst>
       <p:ext uri="{BB962C8B-B14F-4D97-AF65-F5344CB8AC3E}">
@@ -5348,7 +5505,19 @@
             </a:pPr>
             <a:r>
               <a:rPr lang="en-US" sz="2000" dirty="0"/>
-              <a:t>develop a custom image classifier that detects the presence of metal structure versus other structure versus non-metal objects(determine which areas of the image contain metal)</a:t>
+              <a:t>develop a custom image classifier that detects the presence of </a:t>
+            </a:r>
+            <a:r>
+              <a:rPr lang="en-US" sz="2000" dirty="0">
+                <a:highlight>
+                  <a:srgbClr val="FFFF00"/>
+                </a:highlight>
+              </a:rPr>
+              <a:t>metal structure versus other structure versus non-metal objects</a:t>
+            </a:r>
+            <a:r>
+              <a:rPr lang="en-US" sz="2000" dirty="0"/>
+              <a:t>(determine which areas of the image contain metal)</a:t>
             </a:r>
           </a:p>
           <a:p>
@@ -5361,7 +5530,19 @@
             </a:pPr>
             <a:r>
               <a:rPr lang="en-US" sz="2000" dirty="0"/>
-              <a:t>create another custom classifier to determine the level of rust based on certain structural guidelines or criteria</a:t>
+              <a:t>create another custom classifier to </a:t>
+            </a:r>
+            <a:r>
+              <a:rPr lang="en-US" sz="2000" dirty="0">
+                <a:highlight>
+                  <a:srgbClr val="FFFF00"/>
+                </a:highlight>
+              </a:rPr>
+              <a:t>determine the level of rust </a:t>
+            </a:r>
+            <a:r>
+              <a:rPr lang="en-US" sz="2000" dirty="0"/>
+              <a:t>based on certain structural guidelines or criteria</a:t>
             </a:r>
           </a:p>
         </p:txBody>
@@ -6269,7 +6450,15 @@
             </a:pPr>
             <a:r>
               <a:rPr lang="en-US" dirty="0"/>
-              <a:t>: video of a person performing dance moves -&gt; the person's dance moves transferred to an amateur target</a:t>
+              <a:t>: video of a person performing dance moves -&gt; the person's </a:t>
+            </a:r>
+            <a:r>
+              <a:rPr lang="en-US" dirty="0">
+                <a:highlight>
+                  <a:srgbClr val="FFFF00"/>
+                </a:highlight>
+              </a:rPr>
+              <a:t>dance moves transferred to an amateur target</a:t>
             </a:r>
           </a:p>
         </p:txBody>
@@ -7237,6 +7426,36 @@
           <a:xfrm>
             <a:off x="623880" y="3923933"/>
             <a:ext cx="10944232" cy="2199472"/>
+          </a:xfrm>
+          <a:prstGeom prst="rect">
+            <a:avLst/>
+          </a:prstGeom>
+        </p:spPr>
+      </p:pic>
+      <p:pic>
+        <p:nvPicPr>
+          <p:cNvPr id="3" name="Picture 2">
+            <a:extLst>
+              <a:ext uri="{FF2B5EF4-FFF2-40B4-BE49-F238E27FC236}">
+                <a16:creationId xmlns:a16="http://schemas.microsoft.com/office/drawing/2014/main" id="{6F3F6AA7-9988-B540-83CD-AFB41CFE0C18}"/>
+              </a:ext>
+            </a:extLst>
+          </p:cNvPr>
+          <p:cNvPicPr>
+            <a:picLocks noChangeAspect="1"/>
+          </p:cNvPicPr>
+          <p:nvPr/>
+        </p:nvPicPr>
+        <p:blipFill>
+          <a:blip r:embed="rId4"/>
+          <a:stretch>
+            <a:fillRect/>
+          </a:stretch>
+        </p:blipFill>
+        <p:spPr>
+          <a:xfrm>
+            <a:off x="5522102" y="4433453"/>
+            <a:ext cx="3607610" cy="1662241"/>
           </a:xfrm>
           <a:prstGeom prst="rect">
             <a:avLst/>

--- a/week1_2/week1_2.pptx
+++ b/week1_2/week1_2.pptx
@@ -5713,10 +5713,10 @@
       </p:sp>
       <p:pic>
         <p:nvPicPr>
-          <p:cNvPr id="4" name="Picture 3">
-            <a:extLst>
-              <a:ext uri="{FF2B5EF4-FFF2-40B4-BE49-F238E27FC236}">
-                <a16:creationId xmlns:a16="http://schemas.microsoft.com/office/drawing/2014/main" id="{87E38F18-7030-EB47-B824-9ADCBF890988}"/>
+          <p:cNvPr id="3" name="Picture 2">
+            <a:extLst>
+              <a:ext uri="{FF2B5EF4-FFF2-40B4-BE49-F238E27FC236}">
+                <a16:creationId xmlns:a16="http://schemas.microsoft.com/office/drawing/2014/main" id="{7C9CC299-9580-8842-943F-E48E39BA0453}"/>
               </a:ext>
             </a:extLst>
           </p:cNvPr>
@@ -5733,8 +5733,8 @@
         </p:blipFill>
         <p:spPr>
           <a:xfrm>
-            <a:off x="65099" y="1690688"/>
-            <a:ext cx="12061802" cy="3924689"/>
+            <a:off x="838200" y="1866900"/>
+            <a:ext cx="10326194" cy="4047868"/>
           </a:xfrm>
           <a:prstGeom prst="rect">
             <a:avLst/>

--- a/week1_2/week1_2.pptx
+++ b/week1_2/week1_2.pptx
@@ -5810,10 +5810,10 @@
       </p:sp>
       <p:pic>
         <p:nvPicPr>
-          <p:cNvPr id="5" name="Picture 4">
-            <a:extLst>
-              <a:ext uri="{FF2B5EF4-FFF2-40B4-BE49-F238E27FC236}">
-                <a16:creationId xmlns:a16="http://schemas.microsoft.com/office/drawing/2014/main" id="{DD92413F-DF3F-524A-919E-91DBBFBBE121}"/>
+          <p:cNvPr id="6" name="Picture 5" descr="A picture containing text, clock&#10;&#10;Description automatically generated">
+            <a:extLst>
+              <a:ext uri="{FF2B5EF4-FFF2-40B4-BE49-F238E27FC236}">
+                <a16:creationId xmlns:a16="http://schemas.microsoft.com/office/drawing/2014/main" id="{884B4030-BA51-9443-8FD2-48D5AB3ED4D8}"/>
               </a:ext>
             </a:extLst>
           </p:cNvPr>
@@ -5830,14 +5830,92 @@
         </p:blipFill>
         <p:spPr>
           <a:xfrm>
-            <a:off x="101425" y="1690688"/>
-            <a:ext cx="11989150" cy="3357885"/>
+            <a:off x="9586581" y="2690422"/>
+            <a:ext cx="1549400" cy="1727200"/>
           </a:xfrm>
           <a:prstGeom prst="rect">
             <a:avLst/>
           </a:prstGeom>
         </p:spPr>
       </p:pic>
+      <p:pic>
+        <p:nvPicPr>
+          <p:cNvPr id="7" name="Picture 6">
+            <a:extLst>
+              <a:ext uri="{FF2B5EF4-FFF2-40B4-BE49-F238E27FC236}">
+                <a16:creationId xmlns:a16="http://schemas.microsoft.com/office/drawing/2014/main" id="{B4AB4A86-A8F8-3F49-8F3B-11516359EFFE}"/>
+              </a:ext>
+            </a:extLst>
+          </p:cNvPr>
+          <p:cNvPicPr>
+            <a:picLocks noChangeAspect="1"/>
+          </p:cNvPicPr>
+          <p:nvPr/>
+        </p:nvPicPr>
+        <p:blipFill>
+          <a:blip r:embed="rId3"/>
+          <a:stretch>
+            <a:fillRect/>
+          </a:stretch>
+        </p:blipFill>
+        <p:spPr>
+          <a:xfrm>
+            <a:off x="400698" y="2013239"/>
+            <a:ext cx="8849981" cy="3688661"/>
+          </a:xfrm>
+          <a:prstGeom prst="rect">
+            <a:avLst/>
+          </a:prstGeom>
+        </p:spPr>
+      </p:pic>
+      <p:sp>
+        <p:nvSpPr>
+          <p:cNvPr id="8" name="Rectangle 7">
+            <a:extLst>
+              <a:ext uri="{FF2B5EF4-FFF2-40B4-BE49-F238E27FC236}">
+                <a16:creationId xmlns:a16="http://schemas.microsoft.com/office/drawing/2014/main" id="{93A2F491-D83E-054F-8D22-415FE16D9BAC}"/>
+              </a:ext>
+            </a:extLst>
+          </p:cNvPr>
+          <p:cNvSpPr/>
+          <p:nvPr/>
+        </p:nvSpPr>
+        <p:spPr>
+          <a:xfrm>
+            <a:off x="8617544" y="1767092"/>
+            <a:ext cx="3220099" cy="923330"/>
+          </a:xfrm>
+          <a:prstGeom prst="rect">
+            <a:avLst/>
+          </a:prstGeom>
+        </p:spPr>
+        <p:txBody>
+          <a:bodyPr wrap="square">
+            <a:spAutoFit/>
+          </a:bodyPr>
+          <a:lstStyle/>
+          <a:p>
+            <a:r>
+              <a:rPr lang="en-US" dirty="0">
+                <a:solidFill>
+                  <a:srgbClr val="24292E"/>
+                </a:solidFill>
+                <a:latin typeface="Calibri" panose="020F0502020204030204" pitchFamily="34" charset="0"/>
+                <a:cs typeface="Calibri" panose="020F0502020204030204" pitchFamily="34" charset="0"/>
+              </a:rPr>
+              <a:t>approximates the derivative by convolving the image with the following kernel</a:t>
+            </a:r>
+            <a:endParaRPr lang="en-US" b="0" dirty="0">
+              <a:solidFill>
+                <a:srgbClr val="24292E"/>
+              </a:solidFill>
+              <a:effectLst/>
+              <a:latin typeface="Calibri" panose="020F0502020204030204" pitchFamily="34" charset="0"/>
+              <a:cs typeface="Calibri" panose="020F0502020204030204" pitchFamily="34" charset="0"/>
+            </a:endParaRPr>
+          </a:p>
+        </p:txBody>
+      </p:sp>
     </p:spTree>
     <p:extLst>
       <p:ext uri="{BB962C8B-B14F-4D97-AF65-F5344CB8AC3E}">
